--- a/AP.CS.Poster.3.pptx
+++ b/AP.CS.Poster.3.pptx
@@ -3385,8 +3385,8 @@
         </p:nvSpPr>
         <p:spPr>
           <a:xfrm>
-            <a:off x="3457575" y="3055382"/>
-            <a:ext cx="1752600" cy="685800"/>
+            <a:off x="5249466" y="3081814"/>
+            <a:ext cx="1109662" cy="685800"/>
           </a:xfrm>
           <a:prstGeom prst="rect">
             <a:avLst/>
@@ -3425,8 +3425,8 @@
         </p:nvSpPr>
         <p:spPr>
           <a:xfrm>
-            <a:off x="3457575" y="3055382"/>
-            <a:ext cx="1752600" cy="369332"/>
+            <a:off x="5312569" y="3102233"/>
+            <a:ext cx="1109662" cy="646331"/>
           </a:xfrm>
           <a:prstGeom prst="rect">
             <a:avLst/>
@@ -3455,8 +3455,8 @@
         </p:nvSpPr>
         <p:spPr>
           <a:xfrm>
-            <a:off x="5410200" y="3055382"/>
-            <a:ext cx="1752600" cy="685800"/>
+            <a:off x="6465690" y="3082498"/>
+            <a:ext cx="942975" cy="685800"/>
           </a:xfrm>
           <a:prstGeom prst="rect">
             <a:avLst/>
@@ -3495,8 +3495,8 @@
         </p:nvSpPr>
         <p:spPr>
           <a:xfrm>
-            <a:off x="5410200" y="3055382"/>
-            <a:ext cx="1752600" cy="369332"/>
+            <a:off x="6465690" y="3065681"/>
+            <a:ext cx="942975" cy="369332"/>
           </a:xfrm>
           <a:prstGeom prst="rect">
             <a:avLst/>
@@ -3525,8 +3525,8 @@
         </p:nvSpPr>
         <p:spPr>
           <a:xfrm>
-            <a:off x="7372350" y="3055382"/>
-            <a:ext cx="1752600" cy="685800"/>
+            <a:off x="7524749" y="3082498"/>
+            <a:ext cx="781050" cy="685800"/>
           </a:xfrm>
           <a:prstGeom prst="rect">
             <a:avLst/>
@@ -3565,8 +3565,8 @@
         </p:nvSpPr>
         <p:spPr>
           <a:xfrm>
-            <a:off x="7372350" y="3055382"/>
-            <a:ext cx="1752600" cy="369332"/>
+            <a:off x="7524749" y="3065681"/>
+            <a:ext cx="781050" cy="369332"/>
           </a:xfrm>
           <a:prstGeom prst="rect">
             <a:avLst/>
@@ -3595,8 +3595,8 @@
         </p:nvSpPr>
         <p:spPr>
           <a:xfrm>
-            <a:off x="2628900" y="4267200"/>
-            <a:ext cx="1333500" cy="685800"/>
+            <a:off x="4188023" y="4258745"/>
+            <a:ext cx="1333500" cy="399455"/>
           </a:xfrm>
           <a:prstGeom prst="rect">
             <a:avLst/>
@@ -3635,8 +3635,8 @@
         </p:nvSpPr>
         <p:spPr>
           <a:xfrm>
-            <a:off x="2628900" y="4267200"/>
-            <a:ext cx="1752600" cy="369332"/>
+            <a:off x="4188023" y="4278034"/>
+            <a:ext cx="1333500" cy="369332"/>
           </a:xfrm>
           <a:prstGeom prst="rect">
             <a:avLst/>
@@ -3665,8 +3665,8 @@
         </p:nvSpPr>
         <p:spPr>
           <a:xfrm>
-            <a:off x="4152900" y="4267200"/>
-            <a:ext cx="1295400" cy="685800"/>
+            <a:off x="5619154" y="4278034"/>
+            <a:ext cx="1295400" cy="407910"/>
           </a:xfrm>
           <a:prstGeom prst="rect">
             <a:avLst/>
@@ -3705,8 +3705,8 @@
         </p:nvSpPr>
         <p:spPr>
           <a:xfrm>
-            <a:off x="4095750" y="4250293"/>
-            <a:ext cx="1752600" cy="369332"/>
+            <a:off x="5570338" y="4267200"/>
+            <a:ext cx="1285875" cy="369332"/>
           </a:xfrm>
           <a:prstGeom prst="rect">
             <a:avLst/>
@@ -3729,14 +3729,14 @@
       </p:sp>
       <p:sp>
         <p:nvSpPr>
-          <p:cNvPr id="24" name="Rectangle 23"/>
+          <p:cNvPr id="26" name="Rectangle 25"/>
           <p:cNvSpPr/>
           <p:nvPr/>
         </p:nvSpPr>
         <p:spPr>
           <a:xfrm>
-            <a:off x="5619750" y="4250292"/>
-            <a:ext cx="1466850" cy="702708"/>
+            <a:off x="4095750" y="3081814"/>
+            <a:ext cx="990600" cy="685800"/>
           </a:xfrm>
           <a:prstGeom prst="rect">
             <a:avLst/>
@@ -3769,14 +3769,14 @@
       </p:sp>
       <p:sp>
         <p:nvSpPr>
-          <p:cNvPr id="25" name="TextBox 24"/>
+          <p:cNvPr id="27" name="TextBox 26"/>
           <p:cNvSpPr txBox="1"/>
           <p:nvPr/>
         </p:nvSpPr>
         <p:spPr>
           <a:xfrm>
-            <a:off x="5734050" y="4250291"/>
-            <a:ext cx="1466850" cy="369332"/>
+            <a:off x="4057650" y="3055382"/>
+            <a:ext cx="1066800" cy="369332"/>
           </a:xfrm>
           <a:prstGeom prst="rect">
             <a:avLst/>
@@ -3790,76 +3790,6 @@
           <a:lstStyle/>
           <a:p>
             <a:r>
-              <a:rPr lang="en-US" dirty="0" err="1" smtClean="0"/>
-              <a:t>Greataxe</a:t>
-            </a:r>
-            <a:endParaRPr lang="en-US" dirty="0"/>
-          </a:p>
-        </p:txBody>
-      </p:sp>
-      <p:sp>
-        <p:nvSpPr>
-          <p:cNvPr id="26" name="Rectangle 25"/>
-          <p:cNvSpPr/>
-          <p:nvPr/>
-        </p:nvSpPr>
-        <p:spPr>
-          <a:xfrm>
-            <a:off x="1485900" y="3055382"/>
-            <a:ext cx="1752600" cy="685800"/>
-          </a:xfrm>
-          <a:prstGeom prst="rect">
-            <a:avLst/>
-          </a:prstGeom>
-        </p:spPr>
-        <p:style>
-          <a:lnRef idx="2">
-            <a:schemeClr val="accent1">
-              <a:shade val="50000"/>
-            </a:schemeClr>
-          </a:lnRef>
-          <a:fillRef idx="1">
-            <a:schemeClr val="accent1"/>
-          </a:fillRef>
-          <a:effectRef idx="0">
-            <a:schemeClr val="accent1"/>
-          </a:effectRef>
-          <a:fontRef idx="minor">
-            <a:schemeClr val="lt1"/>
-          </a:fontRef>
-        </p:style>
-        <p:txBody>
-          <a:bodyPr rtlCol="0" anchor="ctr"/>
-          <a:lstStyle/>
-          <a:p>
-            <a:pPr algn="ctr"/>
-            <a:endParaRPr lang="en-US"/>
-          </a:p>
-        </p:txBody>
-      </p:sp>
-      <p:sp>
-        <p:nvSpPr>
-          <p:cNvPr id="27" name="TextBox 26"/>
-          <p:cNvSpPr txBox="1"/>
-          <p:nvPr/>
-        </p:nvSpPr>
-        <p:spPr>
-          <a:xfrm>
-            <a:off x="1485900" y="3055382"/>
-            <a:ext cx="1752600" cy="369332"/>
-          </a:xfrm>
-          <a:prstGeom prst="rect">
-            <a:avLst/>
-          </a:prstGeom>
-          <a:noFill/>
-        </p:spPr>
-        <p:txBody>
-          <a:bodyPr wrap="square" rtlCol="0">
-            <a:spAutoFit/>
-          </a:bodyPr>
-          <a:lstStyle/>
-          <a:p>
-            <a:r>
               <a:rPr lang="en-US" dirty="0" smtClean="0"/>
               <a:t>Hammer</a:t>
             </a:r>
@@ -3867,111 +3797,6 @@
           </a:p>
         </p:txBody>
       </p:sp>
-      <p:sp>
-        <p:nvSpPr>
-          <p:cNvPr id="28" name="Rectangle 27"/>
-          <p:cNvSpPr/>
-          <p:nvPr/>
-        </p:nvSpPr>
-        <p:spPr>
-          <a:xfrm>
-            <a:off x="1143000" y="4267200"/>
-            <a:ext cx="1333500" cy="685800"/>
-          </a:xfrm>
-          <a:prstGeom prst="rect">
-            <a:avLst/>
-          </a:prstGeom>
-        </p:spPr>
-        <p:style>
-          <a:lnRef idx="2">
-            <a:schemeClr val="accent1">
-              <a:shade val="50000"/>
-            </a:schemeClr>
-          </a:lnRef>
-          <a:fillRef idx="1">
-            <a:schemeClr val="accent1"/>
-          </a:fillRef>
-          <a:effectRef idx="0">
-            <a:schemeClr val="accent1"/>
-          </a:effectRef>
-          <a:fontRef idx="minor">
-            <a:schemeClr val="lt1"/>
-          </a:fontRef>
-        </p:style>
-        <p:txBody>
-          <a:bodyPr rtlCol="0" anchor="ctr"/>
-          <a:lstStyle/>
-          <a:p>
-            <a:pPr algn="ctr"/>
-            <a:endParaRPr lang="en-US"/>
-          </a:p>
-        </p:txBody>
-      </p:sp>
-      <p:sp>
-        <p:nvSpPr>
-          <p:cNvPr id="29" name="TextBox 28"/>
-          <p:cNvSpPr txBox="1"/>
-          <p:nvPr/>
-        </p:nvSpPr>
-        <p:spPr>
-          <a:xfrm>
-            <a:off x="1114425" y="4267200"/>
-            <a:ext cx="1752600" cy="369332"/>
-          </a:xfrm>
-          <a:prstGeom prst="rect">
-            <a:avLst/>
-          </a:prstGeom>
-          <a:noFill/>
-        </p:spPr>
-        <p:txBody>
-          <a:bodyPr wrap="square" rtlCol="0">
-            <a:spAutoFit/>
-          </a:bodyPr>
-          <a:lstStyle/>
-          <a:p>
-            <a:r>
-              <a:rPr lang="en-US" dirty="0" smtClean="0"/>
-              <a:t>Warhammer</a:t>
-            </a:r>
-            <a:endParaRPr lang="en-US" dirty="0"/>
-          </a:p>
-        </p:txBody>
-      </p:sp>
-      <p:cxnSp>
-        <p:nvCxnSpPr>
-          <p:cNvPr id="31" name="Straight Arrow Connector 30"/>
-          <p:cNvCxnSpPr>
-            <a:endCxn id="26" idx="2"/>
-          </p:cNvCxnSpPr>
-          <p:nvPr/>
-        </p:nvCxnSpPr>
-        <p:spPr>
-          <a:xfrm flipV="1">
-            <a:off x="1809750" y="3741182"/>
-            <a:ext cx="552450" cy="526018"/>
-          </a:xfrm>
-          <a:prstGeom prst="straightConnector1">
-            <a:avLst/>
-          </a:prstGeom>
-          <a:ln>
-            <a:tailEnd type="arrow"/>
-          </a:ln>
-        </p:spPr>
-        <p:style>
-          <a:lnRef idx="1">
-            <a:schemeClr val="accent1"/>
-          </a:lnRef>
-          <a:fillRef idx="0">
-            <a:schemeClr val="accent1"/>
-          </a:fillRef>
-          <a:effectRef idx="0">
-            <a:schemeClr val="accent1"/>
-          </a:effectRef>
-          <a:fontRef idx="minor">
-            <a:schemeClr val="tx1"/>
-          </a:fontRef>
-        </p:style>
-      </p:cxnSp>
       <p:cxnSp>
         <p:nvCxnSpPr>
           <p:cNvPr id="33" name="Straight Arrow Connector 32"/>
@@ -3983,8 +3808,8 @@
         </p:nvCxnSpPr>
         <p:spPr>
           <a:xfrm flipV="1">
-            <a:off x="3295650" y="3741182"/>
-            <a:ext cx="1038225" cy="526018"/>
+            <a:off x="4854773" y="3767614"/>
+            <a:ext cx="949524" cy="491131"/>
           </a:xfrm>
           <a:prstGeom prst="straightConnector1">
             <a:avLst/>
@@ -4018,44 +3843,8 @@
         </p:nvCxnSpPr>
         <p:spPr>
           <a:xfrm flipH="1" flipV="1">
-            <a:off x="4333875" y="3741182"/>
-            <a:ext cx="466725" cy="526018"/>
-          </a:xfrm>
-          <a:prstGeom prst="straightConnector1">
-            <a:avLst/>
-          </a:prstGeom>
-          <a:ln>
-            <a:tailEnd type="arrow"/>
-          </a:ln>
-        </p:spPr>
-        <p:style>
-          <a:lnRef idx="1">
-            <a:schemeClr val="accent1"/>
-          </a:lnRef>
-          <a:fillRef idx="0">
-            <a:schemeClr val="accent1"/>
-          </a:fillRef>
-          <a:effectRef idx="0">
-            <a:schemeClr val="accent1"/>
-          </a:effectRef>
-          <a:fontRef idx="minor">
-            <a:schemeClr val="tx1"/>
-          </a:fontRef>
-        </p:style>
-      </p:cxnSp>
-      <p:cxnSp>
-        <p:nvCxnSpPr>
-          <p:cNvPr id="37" name="Straight Arrow Connector 36"/>
-          <p:cNvCxnSpPr>
-            <a:stCxn id="24" idx="0"/>
-            <a:endCxn id="14" idx="2"/>
-          </p:cNvCxnSpPr>
-          <p:nvPr/>
-        </p:nvCxnSpPr>
-        <p:spPr>
-          <a:xfrm flipH="1" flipV="1">
-            <a:off x="6286500" y="3741182"/>
-            <a:ext cx="66675" cy="509110"/>
+            <a:off x="5804297" y="3767614"/>
+            <a:ext cx="788196" cy="526018"/>
           </a:xfrm>
           <a:prstGeom prst="straightConnector1">
             <a:avLst/>
@@ -4090,8 +3879,8 @@
         </p:nvCxnSpPr>
         <p:spPr>
           <a:xfrm flipV="1">
-            <a:off x="2362200" y="2590800"/>
-            <a:ext cx="3505200" cy="464582"/>
+            <a:off x="4591050" y="2590800"/>
+            <a:ext cx="1276350" cy="464582"/>
           </a:xfrm>
           <a:prstGeom prst="straightConnector1">
             <a:avLst/>
@@ -4126,8 +3915,8 @@
         </p:nvCxnSpPr>
         <p:spPr>
           <a:xfrm flipV="1">
-            <a:off x="4333875" y="2590800"/>
-            <a:ext cx="1533525" cy="464582"/>
+            <a:off x="5867400" y="2590800"/>
+            <a:ext cx="0" cy="511433"/>
           </a:xfrm>
           <a:prstGeom prst="straightConnector1">
             <a:avLst/>
@@ -4163,7 +3952,7 @@
         <p:spPr>
           <a:xfrm flipH="1" flipV="1">
             <a:off x="5867400" y="2590800"/>
-            <a:ext cx="419100" cy="464582"/>
+            <a:ext cx="1069778" cy="491698"/>
           </a:xfrm>
           <a:prstGeom prst="straightConnector1">
             <a:avLst/>
@@ -4199,7 +3988,537 @@
         <p:spPr>
           <a:xfrm flipH="1" flipV="1">
             <a:off x="5867400" y="2590800"/>
-            <a:ext cx="2381250" cy="464582"/>
+            <a:ext cx="2047874" cy="491698"/>
+          </a:xfrm>
+          <a:prstGeom prst="straightConnector1">
+            <a:avLst/>
+          </a:prstGeom>
+          <a:ln>
+            <a:tailEnd type="arrow"/>
+          </a:ln>
+        </p:spPr>
+        <p:style>
+          <a:lnRef idx="1">
+            <a:schemeClr val="accent1"/>
+          </a:lnRef>
+          <a:fillRef idx="0">
+            <a:schemeClr val="accent1"/>
+          </a:fillRef>
+          <a:effectRef idx="0">
+            <a:schemeClr val="accent1"/>
+          </a:effectRef>
+          <a:fontRef idx="minor">
+            <a:schemeClr val="tx1"/>
+          </a:fontRef>
+        </p:style>
+      </p:cxnSp>
+      <p:sp>
+        <p:nvSpPr>
+          <p:cNvPr id="62" name="Rectangle 61"/>
+          <p:cNvSpPr/>
+          <p:nvPr/>
+        </p:nvSpPr>
+        <p:spPr>
+          <a:xfrm>
+            <a:off x="228600" y="3158014"/>
+            <a:ext cx="914400" cy="533400"/>
+          </a:xfrm>
+          <a:prstGeom prst="rect">
+            <a:avLst/>
+          </a:prstGeom>
+        </p:spPr>
+        <p:style>
+          <a:lnRef idx="2">
+            <a:schemeClr val="accent1">
+              <a:shade val="50000"/>
+            </a:schemeClr>
+          </a:lnRef>
+          <a:fillRef idx="1">
+            <a:schemeClr val="accent1"/>
+          </a:fillRef>
+          <a:effectRef idx="0">
+            <a:schemeClr val="accent1"/>
+          </a:effectRef>
+          <a:fontRef idx="minor">
+            <a:schemeClr val="lt1"/>
+          </a:fontRef>
+        </p:style>
+        <p:txBody>
+          <a:bodyPr rtlCol="0" anchor="ctr"/>
+          <a:lstStyle/>
+          <a:p>
+            <a:pPr algn="ctr"/>
+            <a:endParaRPr lang="en-US"/>
+          </a:p>
+        </p:txBody>
+      </p:sp>
+      <p:sp>
+        <p:nvSpPr>
+          <p:cNvPr id="63" name="Rectangle 62"/>
+          <p:cNvSpPr/>
+          <p:nvPr/>
+        </p:nvSpPr>
+        <p:spPr>
+          <a:xfrm>
+            <a:off x="1447800" y="3154755"/>
+            <a:ext cx="914400" cy="533400"/>
+          </a:xfrm>
+          <a:prstGeom prst="rect">
+            <a:avLst/>
+          </a:prstGeom>
+        </p:spPr>
+        <p:style>
+          <a:lnRef idx="2">
+            <a:schemeClr val="accent1">
+              <a:shade val="50000"/>
+            </a:schemeClr>
+          </a:lnRef>
+          <a:fillRef idx="1">
+            <a:schemeClr val="accent1"/>
+          </a:fillRef>
+          <a:effectRef idx="0">
+            <a:schemeClr val="accent1"/>
+          </a:effectRef>
+          <a:fontRef idx="minor">
+            <a:schemeClr val="lt1"/>
+          </a:fontRef>
+        </p:style>
+        <p:txBody>
+          <a:bodyPr rtlCol="0" anchor="ctr"/>
+          <a:lstStyle/>
+          <a:p>
+            <a:pPr algn="ctr"/>
+            <a:endParaRPr lang="en-US"/>
+          </a:p>
+        </p:txBody>
+      </p:sp>
+      <p:sp>
+        <p:nvSpPr>
+          <p:cNvPr id="64" name="Rectangle 63"/>
+          <p:cNvSpPr/>
+          <p:nvPr/>
+        </p:nvSpPr>
+        <p:spPr>
+          <a:xfrm>
+            <a:off x="8191500" y="4278034"/>
+            <a:ext cx="952500" cy="407910"/>
+          </a:xfrm>
+          <a:prstGeom prst="rect">
+            <a:avLst/>
+          </a:prstGeom>
+        </p:spPr>
+        <p:style>
+          <a:lnRef idx="2">
+            <a:schemeClr val="accent1">
+              <a:shade val="50000"/>
+            </a:schemeClr>
+          </a:lnRef>
+          <a:fillRef idx="1">
+            <a:schemeClr val="accent1"/>
+          </a:fillRef>
+          <a:effectRef idx="0">
+            <a:schemeClr val="accent1"/>
+          </a:effectRef>
+          <a:fontRef idx="minor">
+            <a:schemeClr val="lt1"/>
+          </a:fontRef>
+        </p:style>
+        <p:txBody>
+          <a:bodyPr rtlCol="0" anchor="ctr"/>
+          <a:lstStyle/>
+          <a:p>
+            <a:pPr algn="ctr"/>
+            <a:endParaRPr lang="en-US"/>
+          </a:p>
+        </p:txBody>
+      </p:sp>
+      <p:sp>
+        <p:nvSpPr>
+          <p:cNvPr id="65" name="Rectangle 64"/>
+          <p:cNvSpPr/>
+          <p:nvPr/>
+        </p:nvSpPr>
+        <p:spPr>
+          <a:xfrm>
+            <a:off x="7034212" y="4278034"/>
+            <a:ext cx="1009650" cy="399455"/>
+          </a:xfrm>
+          <a:prstGeom prst="rect">
+            <a:avLst/>
+          </a:prstGeom>
+        </p:spPr>
+        <p:style>
+          <a:lnRef idx="2">
+            <a:schemeClr val="accent1">
+              <a:shade val="50000"/>
+            </a:schemeClr>
+          </a:lnRef>
+          <a:fillRef idx="1">
+            <a:schemeClr val="accent1"/>
+          </a:fillRef>
+          <a:effectRef idx="0">
+            <a:schemeClr val="accent1"/>
+          </a:effectRef>
+          <a:fontRef idx="minor">
+            <a:schemeClr val="lt1"/>
+          </a:fontRef>
+        </p:style>
+        <p:txBody>
+          <a:bodyPr rtlCol="0" anchor="ctr"/>
+          <a:lstStyle/>
+          <a:p>
+            <a:pPr algn="ctr"/>
+            <a:endParaRPr lang="en-US"/>
+          </a:p>
+        </p:txBody>
+      </p:sp>
+      <p:sp>
+        <p:nvSpPr>
+          <p:cNvPr id="75" name="TextBox 74"/>
+          <p:cNvSpPr txBox="1"/>
+          <p:nvPr/>
+        </p:nvSpPr>
+        <p:spPr>
+          <a:xfrm>
+            <a:off x="7034212" y="4258745"/>
+            <a:ext cx="1009650" cy="369332"/>
+          </a:xfrm>
+          <a:prstGeom prst="rect">
+            <a:avLst/>
+          </a:prstGeom>
+          <a:noFill/>
+        </p:spPr>
+        <p:txBody>
+          <a:bodyPr wrap="square" rtlCol="0">
+            <a:spAutoFit/>
+          </a:bodyPr>
+          <a:lstStyle/>
+          <a:p>
+            <a:r>
+              <a:rPr lang="en-US" dirty="0" smtClean="0"/>
+              <a:t>Lance</a:t>
+            </a:r>
+            <a:endParaRPr lang="en-US" dirty="0"/>
+          </a:p>
+        </p:txBody>
+      </p:sp>
+      <p:sp>
+        <p:nvSpPr>
+          <p:cNvPr id="76" name="TextBox 75"/>
+          <p:cNvSpPr txBox="1"/>
+          <p:nvPr/>
+        </p:nvSpPr>
+        <p:spPr>
+          <a:xfrm>
+            <a:off x="8191500" y="4293632"/>
+            <a:ext cx="952500" cy="369332"/>
+          </a:xfrm>
+          <a:prstGeom prst="rect">
+            <a:avLst/>
+          </a:prstGeom>
+          <a:noFill/>
+        </p:spPr>
+        <p:txBody>
+          <a:bodyPr wrap="square" rtlCol="0">
+            <a:spAutoFit/>
+          </a:bodyPr>
+          <a:lstStyle/>
+          <a:p>
+            <a:r>
+              <a:rPr lang="en-US" dirty="0" smtClean="0"/>
+              <a:t>Halberd</a:t>
+            </a:r>
+            <a:endParaRPr lang="en-US" dirty="0"/>
+          </a:p>
+        </p:txBody>
+      </p:sp>
+      <p:sp>
+        <p:nvSpPr>
+          <p:cNvPr id="77" name="Rectangle 76"/>
+          <p:cNvSpPr/>
+          <p:nvPr/>
+        </p:nvSpPr>
+        <p:spPr>
+          <a:xfrm>
+            <a:off x="2628900" y="3158014"/>
+            <a:ext cx="1257300" cy="570563"/>
+          </a:xfrm>
+          <a:prstGeom prst="rect">
+            <a:avLst/>
+          </a:prstGeom>
+        </p:spPr>
+        <p:style>
+          <a:lnRef idx="2">
+            <a:schemeClr val="accent1">
+              <a:shade val="50000"/>
+            </a:schemeClr>
+          </a:lnRef>
+          <a:fillRef idx="1">
+            <a:schemeClr val="accent1"/>
+          </a:fillRef>
+          <a:effectRef idx="0">
+            <a:schemeClr val="accent1"/>
+          </a:effectRef>
+          <a:fontRef idx="minor">
+            <a:schemeClr val="lt1"/>
+          </a:fontRef>
+        </p:style>
+        <p:txBody>
+          <a:bodyPr rtlCol="0" anchor="ctr"/>
+          <a:lstStyle/>
+          <a:p>
+            <a:pPr algn="ctr"/>
+            <a:endParaRPr lang="en-US"/>
+          </a:p>
+        </p:txBody>
+      </p:sp>
+      <p:sp>
+        <p:nvSpPr>
+          <p:cNvPr id="79" name="TextBox 78"/>
+          <p:cNvSpPr txBox="1"/>
+          <p:nvPr/>
+        </p:nvSpPr>
+        <p:spPr>
+          <a:xfrm>
+            <a:off x="228600" y="3158014"/>
+            <a:ext cx="914400" cy="646331"/>
+          </a:xfrm>
+          <a:prstGeom prst="rect">
+            <a:avLst/>
+          </a:prstGeom>
+          <a:noFill/>
+        </p:spPr>
+        <p:txBody>
+          <a:bodyPr wrap="square" rtlCol="0">
+            <a:spAutoFit/>
+          </a:bodyPr>
+          <a:lstStyle/>
+          <a:p>
+            <a:r>
+              <a:rPr lang="en-US" dirty="0" smtClean="0"/>
+              <a:t>1H Swords</a:t>
+            </a:r>
+            <a:endParaRPr lang="en-US" dirty="0"/>
+          </a:p>
+        </p:txBody>
+      </p:sp>
+      <p:sp>
+        <p:nvSpPr>
+          <p:cNvPr id="80" name="TextBox 79"/>
+          <p:cNvSpPr txBox="1"/>
+          <p:nvPr/>
+        </p:nvSpPr>
+        <p:spPr>
+          <a:xfrm>
+            <a:off x="1447800" y="3154755"/>
+            <a:ext cx="914400" cy="369332"/>
+          </a:xfrm>
+          <a:prstGeom prst="rect">
+            <a:avLst/>
+          </a:prstGeom>
+          <a:noFill/>
+        </p:spPr>
+        <p:txBody>
+          <a:bodyPr wrap="square" rtlCol="0">
+            <a:spAutoFit/>
+          </a:bodyPr>
+          <a:lstStyle/>
+          <a:p>
+            <a:r>
+              <a:rPr lang="en-US" dirty="0" smtClean="0"/>
+              <a:t>Shields</a:t>
+            </a:r>
+            <a:endParaRPr lang="en-US" dirty="0"/>
+          </a:p>
+        </p:txBody>
+      </p:sp>
+      <p:sp>
+        <p:nvSpPr>
+          <p:cNvPr id="81" name="TextBox 80"/>
+          <p:cNvSpPr txBox="1"/>
+          <p:nvPr/>
+        </p:nvSpPr>
+        <p:spPr>
+          <a:xfrm>
+            <a:off x="2514600" y="3154755"/>
+            <a:ext cx="1371600" cy="369332"/>
+          </a:xfrm>
+          <a:prstGeom prst="rect">
+            <a:avLst/>
+          </a:prstGeom>
+          <a:noFill/>
+        </p:spPr>
+        <p:txBody>
+          <a:bodyPr wrap="square" rtlCol="0">
+            <a:spAutoFit/>
+          </a:bodyPr>
+          <a:lstStyle/>
+          <a:p>
+            <a:r>
+              <a:rPr lang="en-US" dirty="0" smtClean="0"/>
+              <a:t>Bludgeoning</a:t>
+            </a:r>
+            <a:endParaRPr lang="en-US" dirty="0"/>
+          </a:p>
+        </p:txBody>
+      </p:sp>
+      <p:cxnSp>
+        <p:nvCxnSpPr>
+          <p:cNvPr id="83" name="Straight Arrow Connector 82"/>
+          <p:cNvCxnSpPr>
+            <a:stCxn id="79" idx="0"/>
+            <a:endCxn id="6" idx="2"/>
+          </p:cNvCxnSpPr>
+          <p:nvPr/>
+        </p:nvCxnSpPr>
+        <p:spPr>
+          <a:xfrm flipV="1">
+            <a:off x="685800" y="2590800"/>
+            <a:ext cx="1600200" cy="567214"/>
+          </a:xfrm>
+          <a:prstGeom prst="straightConnector1">
+            <a:avLst/>
+          </a:prstGeom>
+          <a:ln>
+            <a:tailEnd type="arrow"/>
+          </a:ln>
+        </p:spPr>
+        <p:style>
+          <a:lnRef idx="1">
+            <a:schemeClr val="accent1"/>
+          </a:lnRef>
+          <a:fillRef idx="0">
+            <a:schemeClr val="accent1"/>
+          </a:fillRef>
+          <a:effectRef idx="0">
+            <a:schemeClr val="accent1"/>
+          </a:effectRef>
+          <a:fontRef idx="minor">
+            <a:schemeClr val="tx1"/>
+          </a:fontRef>
+        </p:style>
+      </p:cxnSp>
+      <p:cxnSp>
+        <p:nvCxnSpPr>
+          <p:cNvPr id="85" name="Straight Arrow Connector 84"/>
+          <p:cNvCxnSpPr>
+            <a:stCxn id="80" idx="0"/>
+            <a:endCxn id="6" idx="2"/>
+          </p:cNvCxnSpPr>
+          <p:nvPr/>
+        </p:nvCxnSpPr>
+        <p:spPr>
+          <a:xfrm flipV="1">
+            <a:off x="1905000" y="2590800"/>
+            <a:ext cx="381000" cy="563955"/>
+          </a:xfrm>
+          <a:prstGeom prst="straightConnector1">
+            <a:avLst/>
+          </a:prstGeom>
+          <a:ln>
+            <a:tailEnd type="arrow"/>
+          </a:ln>
+        </p:spPr>
+        <p:style>
+          <a:lnRef idx="1">
+            <a:schemeClr val="accent1"/>
+          </a:lnRef>
+          <a:fillRef idx="0">
+            <a:schemeClr val="accent1"/>
+          </a:fillRef>
+          <a:effectRef idx="0">
+            <a:schemeClr val="accent1"/>
+          </a:effectRef>
+          <a:fontRef idx="minor">
+            <a:schemeClr val="tx1"/>
+          </a:fontRef>
+        </p:style>
+      </p:cxnSp>
+      <p:cxnSp>
+        <p:nvCxnSpPr>
+          <p:cNvPr id="87" name="Straight Arrow Connector 86"/>
+          <p:cNvCxnSpPr>
+            <a:stCxn id="77" idx="0"/>
+            <a:endCxn id="6" idx="2"/>
+          </p:cNvCxnSpPr>
+          <p:nvPr/>
+        </p:nvCxnSpPr>
+        <p:spPr>
+          <a:xfrm flipH="1" flipV="1">
+            <a:off x="2286000" y="2590800"/>
+            <a:ext cx="971550" cy="567214"/>
+          </a:xfrm>
+          <a:prstGeom prst="straightConnector1">
+            <a:avLst/>
+          </a:prstGeom>
+          <a:ln>
+            <a:tailEnd type="arrow"/>
+          </a:ln>
+        </p:spPr>
+        <p:style>
+          <a:lnRef idx="1">
+            <a:schemeClr val="accent1"/>
+          </a:lnRef>
+          <a:fillRef idx="0">
+            <a:schemeClr val="accent1"/>
+          </a:fillRef>
+          <a:effectRef idx="0">
+            <a:schemeClr val="accent1"/>
+          </a:effectRef>
+          <a:fontRef idx="minor">
+            <a:schemeClr val="tx1"/>
+          </a:fontRef>
+        </p:style>
+      </p:cxnSp>
+      <p:cxnSp>
+        <p:nvCxnSpPr>
+          <p:cNvPr id="91" name="Straight Arrow Connector 90"/>
+          <p:cNvCxnSpPr>
+            <a:stCxn id="75" idx="0"/>
+            <a:endCxn id="18" idx="2"/>
+          </p:cNvCxnSpPr>
+          <p:nvPr/>
+        </p:nvCxnSpPr>
+        <p:spPr>
+          <a:xfrm flipV="1">
+            <a:off x="7539037" y="3768298"/>
+            <a:ext cx="376237" cy="490447"/>
+          </a:xfrm>
+          <a:prstGeom prst="straightConnector1">
+            <a:avLst/>
+          </a:prstGeom>
+          <a:ln>
+            <a:tailEnd type="arrow"/>
+          </a:ln>
+        </p:spPr>
+        <p:style>
+          <a:lnRef idx="1">
+            <a:schemeClr val="accent1"/>
+          </a:lnRef>
+          <a:fillRef idx="0">
+            <a:schemeClr val="accent1"/>
+          </a:fillRef>
+          <a:effectRef idx="0">
+            <a:schemeClr val="accent1"/>
+          </a:effectRef>
+          <a:fontRef idx="minor">
+            <a:schemeClr val="tx1"/>
+          </a:fontRef>
+        </p:style>
+      </p:cxnSp>
+      <p:cxnSp>
+        <p:nvCxnSpPr>
+          <p:cNvPr id="93" name="Straight Arrow Connector 92"/>
+          <p:cNvCxnSpPr>
+            <a:stCxn id="64" idx="0"/>
+            <a:endCxn id="18" idx="2"/>
+          </p:cNvCxnSpPr>
+          <p:nvPr/>
+        </p:nvCxnSpPr>
+        <p:spPr>
+          <a:xfrm flipH="1" flipV="1">
+            <a:off x="7915274" y="3768298"/>
+            <a:ext cx="752476" cy="509736"/>
           </a:xfrm>
           <a:prstGeom prst="straightConnector1">
             <a:avLst/>
